--- a/22_ImprimanteI3D/22_ImprimanteI3D.pptx
+++ b/22_ImprimanteI3D/22_ImprimanteI3D.pptx
@@ -7,11 +7,12 @@
   <p:sldIdLst>
     <p:sldId id="256" r:id="rId2"/>
     <p:sldId id="257" r:id="rId3"/>
-    <p:sldId id="262" r:id="rId4"/>
-    <p:sldId id="258" r:id="rId5"/>
-    <p:sldId id="259" r:id="rId6"/>
-    <p:sldId id="260" r:id="rId7"/>
-    <p:sldId id="261" r:id="rId8"/>
+    <p:sldId id="263" r:id="rId4"/>
+    <p:sldId id="262" r:id="rId5"/>
+    <p:sldId id="258" r:id="rId6"/>
+    <p:sldId id="259" r:id="rId7"/>
+    <p:sldId id="260" r:id="rId8"/>
+    <p:sldId id="261" r:id="rId9"/>
   </p:sldIdLst>
   <p:sldSz cx="12192000" cy="6858000"/>
   <p:notesSz cx="6858000" cy="9144000"/>
@@ -171,10 +172,9 @@
           </a:lstStyle>
           <a:p>
             <a:r>
-              <a:rPr lang="fr-FR" smtClean="0"/>
+              <a:rPr lang="fr-FR"/>
               <a:t>Modifiez le style du titre</a:t>
             </a:r>
-            <a:endParaRPr lang="fr-FR"/>
           </a:p>
         </p:txBody>
       </p:sp>
@@ -236,10 +236,9 @@
           </a:lstStyle>
           <a:p>
             <a:r>
-              <a:rPr lang="fr-FR" smtClean="0"/>
+              <a:rPr lang="fr-FR"/>
               <a:t>Modifier le style des sous-titres du masque</a:t>
             </a:r>
-            <a:endParaRPr lang="fr-FR"/>
           </a:p>
         </p:txBody>
       </p:sp>
@@ -260,7 +259,7 @@
           <a:p>
             <a:fld id="{12FEBFD5-F7DC-4D99-924F-CDBF4221FCB9}" type="datetimeFigureOut">
               <a:rPr lang="fr-FR" smtClean="0"/>
-              <a:t>23/05/2023</a:t>
+              <a:t>01/03/2024</a:t>
             </a:fld>
             <a:endParaRPr lang="fr-FR"/>
           </a:p>
@@ -354,10 +353,9 @@
           <a:lstStyle/>
           <a:p>
             <a:r>
-              <a:rPr lang="fr-FR" smtClean="0"/>
+              <a:rPr lang="fr-FR"/>
               <a:t>Modifiez le style du titre</a:t>
             </a:r>
-            <a:endParaRPr lang="fr-FR"/>
           </a:p>
         </p:txBody>
       </p:sp>
@@ -378,38 +376,37 @@
           <a:p>
             <a:pPr lvl="0"/>
             <a:r>
-              <a:rPr lang="fr-FR" smtClean="0"/>
+              <a:rPr lang="fr-FR"/>
               <a:t>Modifier les styles du texte du masque</a:t>
             </a:r>
           </a:p>
           <a:p>
             <a:pPr lvl="1"/>
             <a:r>
-              <a:rPr lang="fr-FR" smtClean="0"/>
+              <a:rPr lang="fr-FR"/>
               <a:t>Deuxième niveau</a:t>
             </a:r>
           </a:p>
           <a:p>
             <a:pPr lvl="2"/>
             <a:r>
-              <a:rPr lang="fr-FR" smtClean="0"/>
+              <a:rPr lang="fr-FR"/>
               <a:t>Troisième niveau</a:t>
             </a:r>
           </a:p>
           <a:p>
             <a:pPr lvl="3"/>
             <a:r>
-              <a:rPr lang="fr-FR" smtClean="0"/>
+              <a:rPr lang="fr-FR"/>
               <a:t>Quatrième niveau</a:t>
             </a:r>
           </a:p>
           <a:p>
             <a:pPr lvl="4"/>
             <a:r>
-              <a:rPr lang="fr-FR" smtClean="0"/>
+              <a:rPr lang="fr-FR"/>
               <a:t>Cinquième niveau</a:t>
             </a:r>
-            <a:endParaRPr lang="fr-FR"/>
           </a:p>
         </p:txBody>
       </p:sp>
@@ -430,7 +427,7 @@
           <a:p>
             <a:fld id="{12FEBFD5-F7DC-4D99-924F-CDBF4221FCB9}" type="datetimeFigureOut">
               <a:rPr lang="fr-FR" smtClean="0"/>
-              <a:t>23/05/2023</a:t>
+              <a:t>01/03/2024</a:t>
             </a:fld>
             <a:endParaRPr lang="fr-FR"/>
           </a:p>
@@ -529,10 +526,9 @@
           <a:lstStyle/>
           <a:p>
             <a:r>
-              <a:rPr lang="fr-FR" smtClean="0"/>
+              <a:rPr lang="fr-FR"/>
               <a:t>Modifiez le style du titre</a:t>
             </a:r>
-            <a:endParaRPr lang="fr-FR"/>
           </a:p>
         </p:txBody>
       </p:sp>
@@ -558,38 +554,37 @@
           <a:p>
             <a:pPr lvl="0"/>
             <a:r>
-              <a:rPr lang="fr-FR" smtClean="0"/>
+              <a:rPr lang="fr-FR"/>
               <a:t>Modifier les styles du texte du masque</a:t>
             </a:r>
           </a:p>
           <a:p>
             <a:pPr lvl="1"/>
             <a:r>
-              <a:rPr lang="fr-FR" smtClean="0"/>
+              <a:rPr lang="fr-FR"/>
               <a:t>Deuxième niveau</a:t>
             </a:r>
           </a:p>
           <a:p>
             <a:pPr lvl="2"/>
             <a:r>
-              <a:rPr lang="fr-FR" smtClean="0"/>
+              <a:rPr lang="fr-FR"/>
               <a:t>Troisième niveau</a:t>
             </a:r>
           </a:p>
           <a:p>
             <a:pPr lvl="3"/>
             <a:r>
-              <a:rPr lang="fr-FR" smtClean="0"/>
+              <a:rPr lang="fr-FR"/>
               <a:t>Quatrième niveau</a:t>
             </a:r>
           </a:p>
           <a:p>
             <a:pPr lvl="4"/>
             <a:r>
-              <a:rPr lang="fr-FR" smtClean="0"/>
+              <a:rPr lang="fr-FR"/>
               <a:t>Cinquième niveau</a:t>
             </a:r>
-            <a:endParaRPr lang="fr-FR"/>
           </a:p>
         </p:txBody>
       </p:sp>
@@ -610,7 +605,7 @@
           <a:p>
             <a:fld id="{12FEBFD5-F7DC-4D99-924F-CDBF4221FCB9}" type="datetimeFigureOut">
               <a:rPr lang="fr-FR" smtClean="0"/>
-              <a:t>23/05/2023</a:t>
+              <a:t>01/03/2024</a:t>
             </a:fld>
             <a:endParaRPr lang="fr-FR"/>
           </a:p>
@@ -704,10 +699,9 @@
           <a:lstStyle/>
           <a:p>
             <a:r>
-              <a:rPr lang="fr-FR" smtClean="0"/>
+              <a:rPr lang="fr-FR"/>
               <a:t>Modifiez le style du titre</a:t>
             </a:r>
-            <a:endParaRPr lang="fr-FR"/>
           </a:p>
         </p:txBody>
       </p:sp>
@@ -728,38 +722,37 @@
           <a:p>
             <a:pPr lvl="0"/>
             <a:r>
-              <a:rPr lang="fr-FR" smtClean="0"/>
+              <a:rPr lang="fr-FR"/>
               <a:t>Modifier les styles du texte du masque</a:t>
             </a:r>
           </a:p>
           <a:p>
             <a:pPr lvl="1"/>
             <a:r>
-              <a:rPr lang="fr-FR" smtClean="0"/>
+              <a:rPr lang="fr-FR"/>
               <a:t>Deuxième niveau</a:t>
             </a:r>
           </a:p>
           <a:p>
             <a:pPr lvl="2"/>
             <a:r>
-              <a:rPr lang="fr-FR" smtClean="0"/>
+              <a:rPr lang="fr-FR"/>
               <a:t>Troisième niveau</a:t>
             </a:r>
           </a:p>
           <a:p>
             <a:pPr lvl="3"/>
             <a:r>
-              <a:rPr lang="fr-FR" smtClean="0"/>
+              <a:rPr lang="fr-FR"/>
               <a:t>Quatrième niveau</a:t>
             </a:r>
           </a:p>
           <a:p>
             <a:pPr lvl="4"/>
             <a:r>
-              <a:rPr lang="fr-FR" smtClean="0"/>
+              <a:rPr lang="fr-FR"/>
               <a:t>Cinquième niveau</a:t>
             </a:r>
-            <a:endParaRPr lang="fr-FR"/>
           </a:p>
         </p:txBody>
       </p:sp>
@@ -780,7 +773,7 @@
           <a:p>
             <a:fld id="{12FEBFD5-F7DC-4D99-924F-CDBF4221FCB9}" type="datetimeFigureOut">
               <a:rPr lang="fr-FR" smtClean="0"/>
-              <a:t>23/05/2023</a:t>
+              <a:t>01/03/2024</a:t>
             </a:fld>
             <a:endParaRPr lang="fr-FR"/>
           </a:p>
@@ -883,10 +876,9 @@
           </a:lstStyle>
           <a:p>
             <a:r>
-              <a:rPr lang="fr-FR" smtClean="0"/>
+              <a:rPr lang="fr-FR"/>
               <a:t>Modifiez le style du titre</a:t>
             </a:r>
-            <a:endParaRPr lang="fr-FR"/>
           </a:p>
         </p:txBody>
       </p:sp>
@@ -1003,7 +995,7 @@
           <a:p>
             <a:pPr lvl="0"/>
             <a:r>
-              <a:rPr lang="fr-FR" smtClean="0"/>
+              <a:rPr lang="fr-FR"/>
               <a:t>Modifier les styles du texte du masque</a:t>
             </a:r>
           </a:p>
@@ -1026,7 +1018,7 @@
           <a:p>
             <a:fld id="{12FEBFD5-F7DC-4D99-924F-CDBF4221FCB9}" type="datetimeFigureOut">
               <a:rPr lang="fr-FR" smtClean="0"/>
-              <a:t>23/05/2023</a:t>
+              <a:t>01/03/2024</a:t>
             </a:fld>
             <a:endParaRPr lang="fr-FR"/>
           </a:p>
@@ -1120,10 +1112,9 @@
           <a:lstStyle/>
           <a:p>
             <a:r>
-              <a:rPr lang="fr-FR" smtClean="0"/>
+              <a:rPr lang="fr-FR"/>
               <a:t>Modifiez le style du titre</a:t>
             </a:r>
-            <a:endParaRPr lang="fr-FR"/>
           </a:p>
         </p:txBody>
       </p:sp>
@@ -1149,38 +1140,37 @@
           <a:p>
             <a:pPr lvl="0"/>
             <a:r>
-              <a:rPr lang="fr-FR" smtClean="0"/>
+              <a:rPr lang="fr-FR"/>
               <a:t>Modifier les styles du texte du masque</a:t>
             </a:r>
           </a:p>
           <a:p>
             <a:pPr lvl="1"/>
             <a:r>
-              <a:rPr lang="fr-FR" smtClean="0"/>
+              <a:rPr lang="fr-FR"/>
               <a:t>Deuxième niveau</a:t>
             </a:r>
           </a:p>
           <a:p>
             <a:pPr lvl="2"/>
             <a:r>
-              <a:rPr lang="fr-FR" smtClean="0"/>
+              <a:rPr lang="fr-FR"/>
               <a:t>Troisième niveau</a:t>
             </a:r>
           </a:p>
           <a:p>
             <a:pPr lvl="3"/>
             <a:r>
-              <a:rPr lang="fr-FR" smtClean="0"/>
+              <a:rPr lang="fr-FR"/>
               <a:t>Quatrième niveau</a:t>
             </a:r>
           </a:p>
           <a:p>
             <a:pPr lvl="4"/>
             <a:r>
-              <a:rPr lang="fr-FR" smtClean="0"/>
+              <a:rPr lang="fr-FR"/>
               <a:t>Cinquième niveau</a:t>
             </a:r>
-            <a:endParaRPr lang="fr-FR"/>
           </a:p>
         </p:txBody>
       </p:sp>
@@ -1206,38 +1196,37 @@
           <a:p>
             <a:pPr lvl="0"/>
             <a:r>
-              <a:rPr lang="fr-FR" smtClean="0"/>
+              <a:rPr lang="fr-FR"/>
               <a:t>Modifier les styles du texte du masque</a:t>
             </a:r>
           </a:p>
           <a:p>
             <a:pPr lvl="1"/>
             <a:r>
-              <a:rPr lang="fr-FR" smtClean="0"/>
+              <a:rPr lang="fr-FR"/>
               <a:t>Deuxième niveau</a:t>
             </a:r>
           </a:p>
           <a:p>
             <a:pPr lvl="2"/>
             <a:r>
-              <a:rPr lang="fr-FR" smtClean="0"/>
+              <a:rPr lang="fr-FR"/>
               <a:t>Troisième niveau</a:t>
             </a:r>
           </a:p>
           <a:p>
             <a:pPr lvl="3"/>
             <a:r>
-              <a:rPr lang="fr-FR" smtClean="0"/>
+              <a:rPr lang="fr-FR"/>
               <a:t>Quatrième niveau</a:t>
             </a:r>
           </a:p>
           <a:p>
             <a:pPr lvl="4"/>
             <a:r>
-              <a:rPr lang="fr-FR" smtClean="0"/>
+              <a:rPr lang="fr-FR"/>
               <a:t>Cinquième niveau</a:t>
             </a:r>
-            <a:endParaRPr lang="fr-FR"/>
           </a:p>
         </p:txBody>
       </p:sp>
@@ -1258,7 +1247,7 @@
           <a:p>
             <a:fld id="{12FEBFD5-F7DC-4D99-924F-CDBF4221FCB9}" type="datetimeFigureOut">
               <a:rPr lang="fr-FR" smtClean="0"/>
-              <a:t>23/05/2023</a:t>
+              <a:t>01/03/2024</a:t>
             </a:fld>
             <a:endParaRPr lang="fr-FR"/>
           </a:p>
@@ -1357,10 +1346,9 @@
           <a:lstStyle/>
           <a:p>
             <a:r>
-              <a:rPr lang="fr-FR" smtClean="0"/>
+              <a:rPr lang="fr-FR"/>
               <a:t>Modifiez le style du titre</a:t>
             </a:r>
-            <a:endParaRPr lang="fr-FR"/>
           </a:p>
         </p:txBody>
       </p:sp>
@@ -1423,7 +1411,7 @@
           <a:p>
             <a:pPr lvl="0"/>
             <a:r>
-              <a:rPr lang="fr-FR" smtClean="0"/>
+              <a:rPr lang="fr-FR"/>
               <a:t>Modifier les styles du texte du masque</a:t>
             </a:r>
           </a:p>
@@ -1451,38 +1439,37 @@
           <a:p>
             <a:pPr lvl="0"/>
             <a:r>
-              <a:rPr lang="fr-FR" smtClean="0"/>
+              <a:rPr lang="fr-FR"/>
               <a:t>Modifier les styles du texte du masque</a:t>
             </a:r>
           </a:p>
           <a:p>
             <a:pPr lvl="1"/>
             <a:r>
-              <a:rPr lang="fr-FR" smtClean="0"/>
+              <a:rPr lang="fr-FR"/>
               <a:t>Deuxième niveau</a:t>
             </a:r>
           </a:p>
           <a:p>
             <a:pPr lvl="2"/>
             <a:r>
-              <a:rPr lang="fr-FR" smtClean="0"/>
+              <a:rPr lang="fr-FR"/>
               <a:t>Troisième niveau</a:t>
             </a:r>
           </a:p>
           <a:p>
             <a:pPr lvl="3"/>
             <a:r>
-              <a:rPr lang="fr-FR" smtClean="0"/>
+              <a:rPr lang="fr-FR"/>
               <a:t>Quatrième niveau</a:t>
             </a:r>
           </a:p>
           <a:p>
             <a:pPr lvl="4"/>
             <a:r>
-              <a:rPr lang="fr-FR" smtClean="0"/>
+              <a:rPr lang="fr-FR"/>
               <a:t>Cinquième niveau</a:t>
             </a:r>
-            <a:endParaRPr lang="fr-FR"/>
           </a:p>
         </p:txBody>
       </p:sp>
@@ -1545,7 +1532,7 @@
           <a:p>
             <a:pPr lvl="0"/>
             <a:r>
-              <a:rPr lang="fr-FR" smtClean="0"/>
+              <a:rPr lang="fr-FR"/>
               <a:t>Modifier les styles du texte du masque</a:t>
             </a:r>
           </a:p>
@@ -1573,38 +1560,37 @@
           <a:p>
             <a:pPr lvl="0"/>
             <a:r>
-              <a:rPr lang="fr-FR" smtClean="0"/>
+              <a:rPr lang="fr-FR"/>
               <a:t>Modifier les styles du texte du masque</a:t>
             </a:r>
           </a:p>
           <a:p>
             <a:pPr lvl="1"/>
             <a:r>
-              <a:rPr lang="fr-FR" smtClean="0"/>
+              <a:rPr lang="fr-FR"/>
               <a:t>Deuxième niveau</a:t>
             </a:r>
           </a:p>
           <a:p>
             <a:pPr lvl="2"/>
             <a:r>
-              <a:rPr lang="fr-FR" smtClean="0"/>
+              <a:rPr lang="fr-FR"/>
               <a:t>Troisième niveau</a:t>
             </a:r>
           </a:p>
           <a:p>
             <a:pPr lvl="3"/>
             <a:r>
-              <a:rPr lang="fr-FR" smtClean="0"/>
+              <a:rPr lang="fr-FR"/>
               <a:t>Quatrième niveau</a:t>
             </a:r>
           </a:p>
           <a:p>
             <a:pPr lvl="4"/>
             <a:r>
-              <a:rPr lang="fr-FR" smtClean="0"/>
+              <a:rPr lang="fr-FR"/>
               <a:t>Cinquième niveau</a:t>
             </a:r>
-            <a:endParaRPr lang="fr-FR"/>
           </a:p>
         </p:txBody>
       </p:sp>
@@ -1625,7 +1611,7 @@
           <a:p>
             <a:fld id="{12FEBFD5-F7DC-4D99-924F-CDBF4221FCB9}" type="datetimeFigureOut">
               <a:rPr lang="fr-FR" smtClean="0"/>
-              <a:t>23/05/2023</a:t>
+              <a:t>01/03/2024</a:t>
             </a:fld>
             <a:endParaRPr lang="fr-FR"/>
           </a:p>
@@ -1719,10 +1705,9 @@
           <a:lstStyle/>
           <a:p>
             <a:r>
-              <a:rPr lang="fr-FR" smtClean="0"/>
+              <a:rPr lang="fr-FR"/>
               <a:t>Modifiez le style du titre</a:t>
             </a:r>
-            <a:endParaRPr lang="fr-FR"/>
           </a:p>
         </p:txBody>
       </p:sp>
@@ -1743,7 +1728,7 @@
           <a:p>
             <a:fld id="{12FEBFD5-F7DC-4D99-924F-CDBF4221FCB9}" type="datetimeFigureOut">
               <a:rPr lang="fr-FR" smtClean="0"/>
-              <a:t>23/05/2023</a:t>
+              <a:t>01/03/2024</a:t>
             </a:fld>
             <a:endParaRPr lang="fr-FR"/>
           </a:p>
@@ -1838,7 +1823,7 @@
           <a:p>
             <a:fld id="{12FEBFD5-F7DC-4D99-924F-CDBF4221FCB9}" type="datetimeFigureOut">
               <a:rPr lang="fr-FR" smtClean="0"/>
-              <a:t>23/05/2023</a:t>
+              <a:t>01/03/2024</a:t>
             </a:fld>
             <a:endParaRPr lang="fr-FR"/>
           </a:p>
@@ -1941,10 +1926,9 @@
           </a:lstStyle>
           <a:p>
             <a:r>
-              <a:rPr lang="fr-FR" smtClean="0"/>
+              <a:rPr lang="fr-FR"/>
               <a:t>Modifiez le style du titre</a:t>
             </a:r>
-            <a:endParaRPr lang="fr-FR"/>
           </a:p>
         </p:txBody>
       </p:sp>
@@ -1998,38 +1982,37 @@
           <a:p>
             <a:pPr lvl="0"/>
             <a:r>
-              <a:rPr lang="fr-FR" smtClean="0"/>
+              <a:rPr lang="fr-FR"/>
               <a:t>Modifier les styles du texte du masque</a:t>
             </a:r>
           </a:p>
           <a:p>
             <a:pPr lvl="1"/>
             <a:r>
-              <a:rPr lang="fr-FR" smtClean="0"/>
+              <a:rPr lang="fr-FR"/>
               <a:t>Deuxième niveau</a:t>
             </a:r>
           </a:p>
           <a:p>
             <a:pPr lvl="2"/>
             <a:r>
-              <a:rPr lang="fr-FR" smtClean="0"/>
+              <a:rPr lang="fr-FR"/>
               <a:t>Troisième niveau</a:t>
             </a:r>
           </a:p>
           <a:p>
             <a:pPr lvl="3"/>
             <a:r>
-              <a:rPr lang="fr-FR" smtClean="0"/>
+              <a:rPr lang="fr-FR"/>
               <a:t>Quatrième niveau</a:t>
             </a:r>
           </a:p>
           <a:p>
             <a:pPr lvl="4"/>
             <a:r>
-              <a:rPr lang="fr-FR" smtClean="0"/>
+              <a:rPr lang="fr-FR"/>
               <a:t>Cinquième niveau</a:t>
             </a:r>
-            <a:endParaRPr lang="fr-FR"/>
           </a:p>
         </p:txBody>
       </p:sp>
@@ -2092,7 +2075,7 @@
           <a:p>
             <a:pPr lvl="0"/>
             <a:r>
-              <a:rPr lang="fr-FR" smtClean="0"/>
+              <a:rPr lang="fr-FR"/>
               <a:t>Modifier les styles du texte du masque</a:t>
             </a:r>
           </a:p>
@@ -2115,7 +2098,7 @@
           <a:p>
             <a:fld id="{12FEBFD5-F7DC-4D99-924F-CDBF4221FCB9}" type="datetimeFigureOut">
               <a:rPr lang="fr-FR" smtClean="0"/>
-              <a:t>23/05/2023</a:t>
+              <a:t>01/03/2024</a:t>
             </a:fld>
             <a:endParaRPr lang="fr-FR"/>
           </a:p>
@@ -2218,10 +2201,9 @@
           </a:lstStyle>
           <a:p>
             <a:r>
-              <a:rPr lang="fr-FR" smtClean="0"/>
+              <a:rPr lang="fr-FR"/>
               <a:t>Modifiez le style du titre</a:t>
             </a:r>
-            <a:endParaRPr lang="fr-FR"/>
           </a:p>
         </p:txBody>
       </p:sp>
@@ -2345,7 +2327,7 @@
           <a:p>
             <a:pPr lvl="0"/>
             <a:r>
-              <a:rPr lang="fr-FR" smtClean="0"/>
+              <a:rPr lang="fr-FR"/>
               <a:t>Modifier les styles du texte du masque</a:t>
             </a:r>
           </a:p>
@@ -2368,7 +2350,7 @@
           <a:p>
             <a:fld id="{12FEBFD5-F7DC-4D99-924F-CDBF4221FCB9}" type="datetimeFigureOut">
               <a:rPr lang="fr-FR" smtClean="0"/>
-              <a:t>23/05/2023</a:t>
+              <a:t>01/03/2024</a:t>
             </a:fld>
             <a:endParaRPr lang="fr-FR"/>
           </a:p>
@@ -2477,10 +2459,9 @@
           <a:lstStyle/>
           <a:p>
             <a:r>
-              <a:rPr lang="fr-FR" smtClean="0"/>
+              <a:rPr lang="fr-FR"/>
               <a:t>Modifiez le style du titre</a:t>
             </a:r>
-            <a:endParaRPr lang="fr-FR"/>
           </a:p>
         </p:txBody>
       </p:sp>
@@ -2511,38 +2492,37 @@
           <a:p>
             <a:pPr lvl="0"/>
             <a:r>
-              <a:rPr lang="fr-FR" smtClean="0"/>
+              <a:rPr lang="fr-FR"/>
               <a:t>Modifier les styles du texte du masque</a:t>
             </a:r>
           </a:p>
           <a:p>
             <a:pPr lvl="1"/>
             <a:r>
-              <a:rPr lang="fr-FR" smtClean="0"/>
+              <a:rPr lang="fr-FR"/>
               <a:t>Deuxième niveau</a:t>
             </a:r>
           </a:p>
           <a:p>
             <a:pPr lvl="2"/>
             <a:r>
-              <a:rPr lang="fr-FR" smtClean="0"/>
+              <a:rPr lang="fr-FR"/>
               <a:t>Troisième niveau</a:t>
             </a:r>
           </a:p>
           <a:p>
             <a:pPr lvl="3"/>
             <a:r>
-              <a:rPr lang="fr-FR" smtClean="0"/>
+              <a:rPr lang="fr-FR"/>
               <a:t>Quatrième niveau</a:t>
             </a:r>
           </a:p>
           <a:p>
             <a:pPr lvl="4"/>
             <a:r>
-              <a:rPr lang="fr-FR" smtClean="0"/>
+              <a:rPr lang="fr-FR"/>
               <a:t>Cinquième niveau</a:t>
             </a:r>
-            <a:endParaRPr lang="fr-FR"/>
           </a:p>
         </p:txBody>
       </p:sp>
@@ -2581,7 +2561,7 @@
           <a:p>
             <a:fld id="{12FEBFD5-F7DC-4D99-924F-CDBF4221FCB9}" type="datetimeFigureOut">
               <a:rPr lang="fr-FR" smtClean="0"/>
-              <a:t>23/05/2023</a:t>
+              <a:t>01/03/2024</a:t>
             </a:fld>
             <a:endParaRPr lang="fr-FR"/>
           </a:p>
@@ -3201,6 +3181,203 @@
   <p:cSld>
     <p:spTree>
       <p:nvGrpSpPr>
+        <p:cNvPr id="1" name="">
+          <a:extLst>
+            <a:ext uri="{FF2B5EF4-FFF2-40B4-BE49-F238E27FC236}">
+              <a16:creationId xmlns:a16="http://schemas.microsoft.com/office/drawing/2014/main" id="{70F2CD59-ED0A-3F74-9A6E-24154F67F81F}"/>
+            </a:ext>
+          </a:extLst>
+        </p:cNvPr>
+        <p:cNvGrpSpPr/>
+        <p:nvPr/>
+      </p:nvGrpSpPr>
+      <p:grpSpPr>
+        <a:xfrm>
+          <a:off x="0" y="0"/>
+          <a:ext cx="0" cy="0"/>
+          <a:chOff x="0" y="0"/>
+          <a:chExt cx="0" cy="0"/>
+        </a:xfrm>
+      </p:grpSpPr>
+      <p:grpSp>
+        <p:nvGrpSpPr>
+          <p:cNvPr id="7" name="Groupe 6">
+            <a:extLst>
+              <a:ext uri="{FF2B5EF4-FFF2-40B4-BE49-F238E27FC236}">
+                <a16:creationId xmlns:a16="http://schemas.microsoft.com/office/drawing/2014/main" id="{EC8814EC-ED2A-2F18-6D67-20A03AF5E9DA}"/>
+              </a:ext>
+            </a:extLst>
+          </p:cNvPr>
+          <p:cNvGrpSpPr/>
+          <p:nvPr/>
+        </p:nvGrpSpPr>
+        <p:grpSpPr>
+          <a:xfrm>
+            <a:off x="4346444" y="2226561"/>
+            <a:ext cx="3499111" cy="2404877"/>
+            <a:chOff x="4346444" y="2226561"/>
+            <a:chExt cx="3499111" cy="2404877"/>
+          </a:xfrm>
+        </p:grpSpPr>
+        <p:pic>
+          <p:nvPicPr>
+            <p:cNvPr id="4" name="Image 3">
+              <a:extLst>
+                <a:ext uri="{FF2B5EF4-FFF2-40B4-BE49-F238E27FC236}">
+                  <a16:creationId xmlns:a16="http://schemas.microsoft.com/office/drawing/2014/main" id="{DF8CFB32-498F-E02C-88C0-A149E60AB971}"/>
+                </a:ext>
+              </a:extLst>
+            </p:cNvPr>
+            <p:cNvPicPr>
+              <a:picLocks noChangeAspect="1"/>
+            </p:cNvPicPr>
+            <p:nvPr/>
+          </p:nvPicPr>
+          <p:blipFill>
+            <a:blip r:embed="rId2" cstate="print">
+              <a:extLst>
+                <a:ext uri="{28A0092B-C50C-407E-A947-70E740481C1C}">
+                  <a14:useLocalDpi xmlns:a14="http://schemas.microsoft.com/office/drawing/2010/main" val="0"/>
+                </a:ext>
+              </a:extLst>
+            </a:blip>
+            <a:stretch>
+              <a:fillRect/>
+            </a:stretch>
+          </p:blipFill>
+          <p:spPr>
+            <a:xfrm>
+              <a:off x="4346444" y="2226561"/>
+              <a:ext cx="3499111" cy="2404877"/>
+            </a:xfrm>
+            <a:prstGeom prst="rect">
+              <a:avLst/>
+            </a:prstGeom>
+          </p:spPr>
+        </p:pic>
+        <p:sp>
+          <p:nvSpPr>
+            <p:cNvPr id="5" name="Rectangle 4">
+              <a:extLst>
+                <a:ext uri="{FF2B5EF4-FFF2-40B4-BE49-F238E27FC236}">
+                  <a16:creationId xmlns:a16="http://schemas.microsoft.com/office/drawing/2014/main" id="{9ABC0ED4-762D-003F-B7F6-C85A31118609}"/>
+                </a:ext>
+              </a:extLst>
+            </p:cNvPr>
+            <p:cNvSpPr/>
+            <p:nvPr/>
+          </p:nvSpPr>
+          <p:spPr>
+            <a:xfrm>
+              <a:off x="6115052" y="3665470"/>
+              <a:ext cx="393944" cy="180021"/>
+            </a:xfrm>
+            <a:prstGeom prst="rect">
+              <a:avLst/>
+            </a:prstGeom>
+            <a:noFill/>
+            <a:ln>
+              <a:solidFill>
+                <a:srgbClr val="C00000"/>
+              </a:solidFill>
+            </a:ln>
+          </p:spPr>
+          <p:style>
+            <a:lnRef idx="2">
+              <a:schemeClr val="accent1">
+                <a:shade val="50000"/>
+              </a:schemeClr>
+            </a:lnRef>
+            <a:fillRef idx="1">
+              <a:schemeClr val="accent1"/>
+            </a:fillRef>
+            <a:effectRef idx="0">
+              <a:schemeClr val="accent1"/>
+            </a:effectRef>
+            <a:fontRef idx="minor">
+              <a:schemeClr val="lt1"/>
+            </a:fontRef>
+          </p:style>
+          <p:txBody>
+            <a:bodyPr rtlCol="0" anchor="ctr"/>
+            <a:lstStyle/>
+            <a:p>
+              <a:pPr algn="ctr"/>
+              <a:endParaRPr lang="fr-FR"/>
+            </a:p>
+          </p:txBody>
+        </p:sp>
+        <p:sp>
+          <p:nvSpPr>
+            <p:cNvPr id="6" name="Rectangle 5">
+              <a:extLst>
+                <a:ext uri="{FF2B5EF4-FFF2-40B4-BE49-F238E27FC236}">
+                  <a16:creationId xmlns:a16="http://schemas.microsoft.com/office/drawing/2014/main" id="{C840F7F9-3395-5FDB-33FE-2FA8102D9711}"/>
+                </a:ext>
+              </a:extLst>
+            </p:cNvPr>
+            <p:cNvSpPr/>
+            <p:nvPr/>
+          </p:nvSpPr>
+          <p:spPr>
+            <a:xfrm>
+              <a:off x="4511824" y="3604039"/>
+              <a:ext cx="1440160" cy="308697"/>
+            </a:xfrm>
+            <a:prstGeom prst="rect">
+              <a:avLst/>
+            </a:prstGeom>
+            <a:noFill/>
+            <a:ln w="28575">
+              <a:solidFill>
+                <a:srgbClr val="C00000"/>
+              </a:solidFill>
+            </a:ln>
+          </p:spPr>
+          <p:style>
+            <a:lnRef idx="2">
+              <a:schemeClr val="accent1">
+                <a:shade val="50000"/>
+              </a:schemeClr>
+            </a:lnRef>
+            <a:fillRef idx="1">
+              <a:schemeClr val="accent1"/>
+            </a:fillRef>
+            <a:effectRef idx="0">
+              <a:schemeClr val="accent1"/>
+            </a:effectRef>
+            <a:fontRef idx="minor">
+              <a:schemeClr val="lt1"/>
+            </a:fontRef>
+          </p:style>
+          <p:txBody>
+            <a:bodyPr rtlCol="0" anchor="ctr"/>
+            <a:lstStyle/>
+            <a:p>
+              <a:pPr algn="ctr"/>
+              <a:endParaRPr lang="fr-FR"/>
+            </a:p>
+          </p:txBody>
+        </p:sp>
+      </p:grpSp>
+    </p:spTree>
+    <p:extLst>
+      <p:ext uri="{BB962C8B-B14F-4D97-AF65-F5344CB8AC3E}">
+        <p14:creationId xmlns:p14="http://schemas.microsoft.com/office/powerpoint/2010/main" val="720332982"/>
+      </p:ext>
+    </p:extLst>
+  </p:cSld>
+  <p:clrMapOvr>
+    <a:masterClrMapping/>
+  </p:clrMapOvr>
+</p:sld>
+</file>
+
+<file path=ppt/slides/slide4.xml><?xml version="1.0" encoding="utf-8"?>
+<p:sld xmlns:a="http://schemas.openxmlformats.org/drawingml/2006/main" xmlns:r="http://schemas.openxmlformats.org/officeDocument/2006/relationships" xmlns:p="http://schemas.openxmlformats.org/presentationml/2006/main">
+  <p:cSld>
+    <p:spTree>
+      <p:nvGrpSpPr>
         <p:cNvPr id="1" name=""/>
         <p:cNvGrpSpPr/>
         <p:nvPr/>
@@ -3334,18 +3511,13 @@
           <a:p>
             <a:pPr algn="ctr"/>
             <a:r>
-              <a:rPr lang="fr-FR" sz="800" b="1" dirty="0" smtClean="0">
+              <a:rPr lang="fr-FR" sz="800" b="1" dirty="0">
                 <a:solidFill>
                   <a:srgbClr val="C00000"/>
                 </a:solidFill>
               </a:rPr>
               <a:t>0</a:t>
             </a:r>
-            <a:endParaRPr lang="fr-FR" sz="800" b="1" dirty="0">
-              <a:solidFill>
-                <a:srgbClr val="C00000"/>
-              </a:solidFill>
-            </a:endParaRPr>
           </a:p>
         </p:txBody>
       </p:sp>
@@ -3394,18 +3566,13 @@
           <a:p>
             <a:pPr algn="ctr"/>
             <a:r>
-              <a:rPr lang="fr-FR" sz="800" b="1" dirty="0" smtClean="0">
+              <a:rPr lang="fr-FR" sz="800" b="1" dirty="0">
                 <a:solidFill>
                   <a:srgbClr val="C00000"/>
                 </a:solidFill>
               </a:rPr>
               <a:t>1</a:t>
             </a:r>
-            <a:endParaRPr lang="fr-FR" sz="800" b="1" dirty="0">
-              <a:solidFill>
-                <a:srgbClr val="C00000"/>
-              </a:solidFill>
-            </a:endParaRPr>
           </a:p>
         </p:txBody>
       </p:sp>
@@ -3454,18 +3621,13 @@
           <a:p>
             <a:pPr algn="ctr"/>
             <a:r>
-              <a:rPr lang="fr-FR" sz="800" b="1" dirty="0" smtClean="0">
+              <a:rPr lang="fr-FR" sz="800" b="1" dirty="0">
                 <a:solidFill>
                   <a:srgbClr val="C00000"/>
                 </a:solidFill>
               </a:rPr>
               <a:t>2</a:t>
             </a:r>
-            <a:endParaRPr lang="fr-FR" sz="800" b="1" dirty="0">
-              <a:solidFill>
-                <a:srgbClr val="C00000"/>
-              </a:solidFill>
-            </a:endParaRPr>
           </a:p>
         </p:txBody>
       </p:sp>
@@ -3514,18 +3676,13 @@
           <a:p>
             <a:pPr algn="ctr"/>
             <a:r>
-              <a:rPr lang="fr-FR" sz="800" b="1" dirty="0" smtClean="0">
+              <a:rPr lang="fr-FR" sz="800" b="1" dirty="0">
                 <a:solidFill>
                   <a:srgbClr val="C00000"/>
                 </a:solidFill>
               </a:rPr>
               <a:t>4</a:t>
             </a:r>
-            <a:endParaRPr lang="fr-FR" sz="800" b="1" dirty="0">
-              <a:solidFill>
-                <a:srgbClr val="C00000"/>
-              </a:solidFill>
-            </a:endParaRPr>
           </a:p>
         </p:txBody>
       </p:sp>
@@ -3574,18 +3731,13 @@
           <a:p>
             <a:pPr algn="ctr"/>
             <a:r>
-              <a:rPr lang="fr-FR" sz="800" b="1" dirty="0" smtClean="0">
+              <a:rPr lang="fr-FR" sz="800" b="1" dirty="0">
                 <a:solidFill>
                   <a:srgbClr val="C00000"/>
                 </a:solidFill>
               </a:rPr>
               <a:t>3</a:t>
             </a:r>
-            <a:endParaRPr lang="fr-FR" sz="800" b="1" dirty="0">
-              <a:solidFill>
-                <a:srgbClr val="C00000"/>
-              </a:solidFill>
-            </a:endParaRPr>
           </a:p>
         </p:txBody>
       </p:sp>
@@ -3602,7 +3754,7 @@
 </p:sld>
 </file>
 
-<file path=ppt/slides/slide4.xml><?xml version="1.0" encoding="utf-8"?>
+<file path=ppt/slides/slide5.xml><?xml version="1.0" encoding="utf-8"?>
 <p:sld xmlns:a="http://schemas.openxmlformats.org/drawingml/2006/main" xmlns:r="http://schemas.openxmlformats.org/officeDocument/2006/relationships" xmlns:p="http://schemas.openxmlformats.org/presentationml/2006/main">
   <p:cSld>
     <p:spTree>
@@ -3662,7 +3814,7 @@
 </p:sld>
 </file>
 
-<file path=ppt/slides/slide5.xml><?xml version="1.0" encoding="utf-8"?>
+<file path=ppt/slides/slide6.xml><?xml version="1.0" encoding="utf-8"?>
 <p:sld xmlns:a="http://schemas.openxmlformats.org/drawingml/2006/main" xmlns:r="http://schemas.openxmlformats.org/officeDocument/2006/relationships" xmlns:p="http://schemas.openxmlformats.org/presentationml/2006/main">
   <p:cSld>
     <p:spTree>
@@ -3692,7 +3844,7 @@
 </p:sld>
 </file>
 
-<file path=ppt/slides/slide6.xml><?xml version="1.0" encoding="utf-8"?>
+<file path=ppt/slides/slide7.xml><?xml version="1.0" encoding="utf-8"?>
 <p:sld xmlns:a="http://schemas.openxmlformats.org/drawingml/2006/main" xmlns:r="http://schemas.openxmlformats.org/officeDocument/2006/relationships" xmlns:p="http://schemas.openxmlformats.org/presentationml/2006/main">
   <p:cSld>
     <p:spTree>
@@ -3722,7 +3874,7 @@
 </p:sld>
 </file>
 
-<file path=ppt/slides/slide7.xml><?xml version="1.0" encoding="utf-8"?>
+<file path=ppt/slides/slide8.xml><?xml version="1.0" encoding="utf-8"?>
 <p:sld xmlns:a="http://schemas.openxmlformats.org/drawingml/2006/main" xmlns:r="http://schemas.openxmlformats.org/officeDocument/2006/relationships" xmlns:p="http://schemas.openxmlformats.org/presentationml/2006/main">
   <p:cSld>
     <p:spTree>
